--- a/ppt 16-9/0763.投进主的怀抱.pptx
+++ b/ppt 16-9/0763.投进主的怀抱.pptx
@@ -5,7 +5,7 @@
     <p:sldMasterId id="2147483648" r:id="rId1"/>
   </p:sldMasterIdLst>
   <p:sldIdLst>
-    <p:sldId id="2013" r:id="rId2"/>
+    <p:sldId id="2015" r:id="rId2"/>
   </p:sldIdLst>
   <p:sldSz cx="12192000" cy="6858000"/>
   <p:notesSz cx="6858000" cy="9144000"/>
@@ -129,7 +129,7 @@
           <p:cNvPr id="2" name="标题 1">
             <a:extLst>
               <a:ext uri="{FF2B5EF4-FFF2-40B4-BE49-F238E27FC236}">
-                <a16:creationId xmlns:a16="http://schemas.microsoft.com/office/drawing/2014/main" id="{81C8EFC4-527B-A2D7-3D5F-9FBD6846F38F}"/>
+                <a16:creationId xmlns:a16="http://schemas.microsoft.com/office/drawing/2014/main" id="{0180F234-8956-D4CE-D122-80F3CC77ED1F}"/>
               </a:ext>
             </a:extLst>
           </p:cNvPr>
@@ -166,7 +166,7 @@
           <p:cNvPr id="3" name="副标题 2">
             <a:extLst>
               <a:ext uri="{FF2B5EF4-FFF2-40B4-BE49-F238E27FC236}">
-                <a16:creationId xmlns:a16="http://schemas.microsoft.com/office/drawing/2014/main" id="{13773502-646F-AF19-D11F-CACE435F3133}"/>
+                <a16:creationId xmlns:a16="http://schemas.microsoft.com/office/drawing/2014/main" id="{000DFE9A-9C33-CBB3-19EB-05E84AD2E8FA}"/>
               </a:ext>
             </a:extLst>
           </p:cNvPr>
@@ -236,7 +236,7 @@
           <p:cNvPr id="4" name="日期占位符 3">
             <a:extLst>
               <a:ext uri="{FF2B5EF4-FFF2-40B4-BE49-F238E27FC236}">
-                <a16:creationId xmlns:a16="http://schemas.microsoft.com/office/drawing/2014/main" id="{85A838B1-EE5B-239F-0958-4DFE4E2D9B56}"/>
+                <a16:creationId xmlns:a16="http://schemas.microsoft.com/office/drawing/2014/main" id="{7B067CCC-C168-9530-FFA8-D50DCE1493EC}"/>
               </a:ext>
             </a:extLst>
           </p:cNvPr>
@@ -252,7 +252,7 @@
           <a:bodyPr/>
           <a:lstStyle/>
           <a:p>
-            <a:fld id="{EFA670D7-9517-45D0-86DB-3635B4611B27}" type="datetimeFigureOut">
+            <a:fld id="{40968C26-9B4E-4BDE-AA50-C0D36FCC692C}" type="datetimeFigureOut">
               <a:rPr lang="zh-CN" altLang="en-US" smtClean="0"/>
               <a:t>2024/3/10</a:t>
             </a:fld>
@@ -265,7 +265,7 @@
           <p:cNvPr id="5" name="页脚占位符 4">
             <a:extLst>
               <a:ext uri="{FF2B5EF4-FFF2-40B4-BE49-F238E27FC236}">
-                <a16:creationId xmlns:a16="http://schemas.microsoft.com/office/drawing/2014/main" id="{D0751044-6F17-7482-2D06-3ACBA47B87D3}"/>
+                <a16:creationId xmlns:a16="http://schemas.microsoft.com/office/drawing/2014/main" id="{C71E8A8C-09EA-9AC9-9BD9-CE3C4F4D5144}"/>
               </a:ext>
             </a:extLst>
           </p:cNvPr>
@@ -290,7 +290,7 @@
           <p:cNvPr id="6" name="灯片编号占位符 5">
             <a:extLst>
               <a:ext uri="{FF2B5EF4-FFF2-40B4-BE49-F238E27FC236}">
-                <a16:creationId xmlns:a16="http://schemas.microsoft.com/office/drawing/2014/main" id="{8C1FA0EB-0730-0095-17F9-3149AF77ADCF}"/>
+                <a16:creationId xmlns:a16="http://schemas.microsoft.com/office/drawing/2014/main" id="{633D1D0A-5260-15E9-0361-F7A2CEC60582}"/>
               </a:ext>
             </a:extLst>
           </p:cNvPr>
@@ -306,7 +306,7 @@
           <a:bodyPr/>
           <a:lstStyle/>
           <a:p>
-            <a:fld id="{0B5AA5B9-EB24-4339-A30C-6DA4273198DD}" type="slidenum">
+            <a:fld id="{FF071B94-2039-435D-9031-A7BD6FD7C134}" type="slidenum">
               <a:rPr lang="zh-CN" altLang="en-US" smtClean="0"/>
               <a:t>‹#›</a:t>
             </a:fld>
@@ -317,7 +317,7 @@
     </p:spTree>
     <p:extLst>
       <p:ext uri="{BB962C8B-B14F-4D97-AF65-F5344CB8AC3E}">
-        <p14:creationId xmlns:p14="http://schemas.microsoft.com/office/powerpoint/2010/main" val="503852634"/>
+        <p14:creationId xmlns:p14="http://schemas.microsoft.com/office/powerpoint/2010/main" val="3418247397"/>
       </p:ext>
     </p:extLst>
   </p:cSld>
@@ -349,7 +349,7 @@
           <p:cNvPr id="2" name="标题 1">
             <a:extLst>
               <a:ext uri="{FF2B5EF4-FFF2-40B4-BE49-F238E27FC236}">
-                <a16:creationId xmlns:a16="http://schemas.microsoft.com/office/drawing/2014/main" id="{5AD32364-0FA4-4186-293B-44EC51431BA8}"/>
+                <a16:creationId xmlns:a16="http://schemas.microsoft.com/office/drawing/2014/main" id="{886FF1E7-F2CE-ACB1-EB7D-60169FEF688F}"/>
               </a:ext>
             </a:extLst>
           </p:cNvPr>
@@ -377,7 +377,7 @@
           <p:cNvPr id="3" name="竖排文字占位符 2">
             <a:extLst>
               <a:ext uri="{FF2B5EF4-FFF2-40B4-BE49-F238E27FC236}">
-                <a16:creationId xmlns:a16="http://schemas.microsoft.com/office/drawing/2014/main" id="{1B54B28E-EBBE-AC00-AE39-6E55676675EE}"/>
+                <a16:creationId xmlns:a16="http://schemas.microsoft.com/office/drawing/2014/main" id="{C87A4CB2-2850-8043-5CAC-4E26C80ECEEB}"/>
               </a:ext>
             </a:extLst>
           </p:cNvPr>
@@ -434,7 +434,7 @@
           <p:cNvPr id="4" name="日期占位符 3">
             <a:extLst>
               <a:ext uri="{FF2B5EF4-FFF2-40B4-BE49-F238E27FC236}">
-                <a16:creationId xmlns:a16="http://schemas.microsoft.com/office/drawing/2014/main" id="{14051834-D384-B763-EA57-DE291875FB7E}"/>
+                <a16:creationId xmlns:a16="http://schemas.microsoft.com/office/drawing/2014/main" id="{F0BAC13B-18AF-1670-FCED-E4668D2AD0EA}"/>
               </a:ext>
             </a:extLst>
           </p:cNvPr>
@@ -450,7 +450,7 @@
           <a:bodyPr/>
           <a:lstStyle/>
           <a:p>
-            <a:fld id="{EFA670D7-9517-45D0-86DB-3635B4611B27}" type="datetimeFigureOut">
+            <a:fld id="{40968C26-9B4E-4BDE-AA50-C0D36FCC692C}" type="datetimeFigureOut">
               <a:rPr lang="zh-CN" altLang="en-US" smtClean="0"/>
               <a:t>2024/3/10</a:t>
             </a:fld>
@@ -463,7 +463,7 @@
           <p:cNvPr id="5" name="页脚占位符 4">
             <a:extLst>
               <a:ext uri="{FF2B5EF4-FFF2-40B4-BE49-F238E27FC236}">
-                <a16:creationId xmlns:a16="http://schemas.microsoft.com/office/drawing/2014/main" id="{52B75FC8-0730-6B8B-F4EA-197FF5EE4CEA}"/>
+                <a16:creationId xmlns:a16="http://schemas.microsoft.com/office/drawing/2014/main" id="{9A5ED622-9C1F-08B8-67A5-B036AE42D74F}"/>
               </a:ext>
             </a:extLst>
           </p:cNvPr>
@@ -488,7 +488,7 @@
           <p:cNvPr id="6" name="灯片编号占位符 5">
             <a:extLst>
               <a:ext uri="{FF2B5EF4-FFF2-40B4-BE49-F238E27FC236}">
-                <a16:creationId xmlns:a16="http://schemas.microsoft.com/office/drawing/2014/main" id="{CC681A10-4000-7E9A-1957-46E38078E197}"/>
+                <a16:creationId xmlns:a16="http://schemas.microsoft.com/office/drawing/2014/main" id="{475BB78E-B1B8-88ED-4ADA-ED5B4CC59A02}"/>
               </a:ext>
             </a:extLst>
           </p:cNvPr>
@@ -504,7 +504,7 @@
           <a:bodyPr/>
           <a:lstStyle/>
           <a:p>
-            <a:fld id="{0B5AA5B9-EB24-4339-A30C-6DA4273198DD}" type="slidenum">
+            <a:fld id="{FF071B94-2039-435D-9031-A7BD6FD7C134}" type="slidenum">
               <a:rPr lang="zh-CN" altLang="en-US" smtClean="0"/>
               <a:t>‹#›</a:t>
             </a:fld>
@@ -515,7 +515,7 @@
     </p:spTree>
     <p:extLst>
       <p:ext uri="{BB962C8B-B14F-4D97-AF65-F5344CB8AC3E}">
-        <p14:creationId xmlns:p14="http://schemas.microsoft.com/office/powerpoint/2010/main" val="2643328050"/>
+        <p14:creationId xmlns:p14="http://schemas.microsoft.com/office/powerpoint/2010/main" val="3273876185"/>
       </p:ext>
     </p:extLst>
   </p:cSld>
@@ -547,7 +547,7 @@
           <p:cNvPr id="2" name="竖排标题 1">
             <a:extLst>
               <a:ext uri="{FF2B5EF4-FFF2-40B4-BE49-F238E27FC236}">
-                <a16:creationId xmlns:a16="http://schemas.microsoft.com/office/drawing/2014/main" id="{B7F4643F-446B-44D3-E5A3-9CC73FB3A205}"/>
+                <a16:creationId xmlns:a16="http://schemas.microsoft.com/office/drawing/2014/main" id="{F8CE27AF-F252-F50C-07DA-83D96A1AF566}"/>
               </a:ext>
             </a:extLst>
           </p:cNvPr>
@@ -580,7 +580,7 @@
           <p:cNvPr id="3" name="竖排文字占位符 2">
             <a:extLst>
               <a:ext uri="{FF2B5EF4-FFF2-40B4-BE49-F238E27FC236}">
-                <a16:creationId xmlns:a16="http://schemas.microsoft.com/office/drawing/2014/main" id="{CB278AB9-BC08-9FCA-ED1A-407757E4B664}"/>
+                <a16:creationId xmlns:a16="http://schemas.microsoft.com/office/drawing/2014/main" id="{88E3E855-8EA1-DE46-83D7-B473F4F6A99A}"/>
               </a:ext>
             </a:extLst>
           </p:cNvPr>
@@ -642,7 +642,7 @@
           <p:cNvPr id="4" name="日期占位符 3">
             <a:extLst>
               <a:ext uri="{FF2B5EF4-FFF2-40B4-BE49-F238E27FC236}">
-                <a16:creationId xmlns:a16="http://schemas.microsoft.com/office/drawing/2014/main" id="{358F9282-F0A9-D8B2-4F8F-EBB9627261EA}"/>
+                <a16:creationId xmlns:a16="http://schemas.microsoft.com/office/drawing/2014/main" id="{90A315FA-1EA1-F668-CF13-C617832013E2}"/>
               </a:ext>
             </a:extLst>
           </p:cNvPr>
@@ -658,7 +658,7 @@
           <a:bodyPr/>
           <a:lstStyle/>
           <a:p>
-            <a:fld id="{EFA670D7-9517-45D0-86DB-3635B4611B27}" type="datetimeFigureOut">
+            <a:fld id="{40968C26-9B4E-4BDE-AA50-C0D36FCC692C}" type="datetimeFigureOut">
               <a:rPr lang="zh-CN" altLang="en-US" smtClean="0"/>
               <a:t>2024/3/10</a:t>
             </a:fld>
@@ -671,7 +671,7 @@
           <p:cNvPr id="5" name="页脚占位符 4">
             <a:extLst>
               <a:ext uri="{FF2B5EF4-FFF2-40B4-BE49-F238E27FC236}">
-                <a16:creationId xmlns:a16="http://schemas.microsoft.com/office/drawing/2014/main" id="{87CE7140-269D-B5D9-8C9F-6F2C6745934E}"/>
+                <a16:creationId xmlns:a16="http://schemas.microsoft.com/office/drawing/2014/main" id="{D171F8DB-841B-E413-60ED-64BE12252549}"/>
               </a:ext>
             </a:extLst>
           </p:cNvPr>
@@ -696,7 +696,7 @@
           <p:cNvPr id="6" name="灯片编号占位符 5">
             <a:extLst>
               <a:ext uri="{FF2B5EF4-FFF2-40B4-BE49-F238E27FC236}">
-                <a16:creationId xmlns:a16="http://schemas.microsoft.com/office/drawing/2014/main" id="{CAEF801A-C35A-F641-FAA9-98CA742BDD96}"/>
+                <a16:creationId xmlns:a16="http://schemas.microsoft.com/office/drawing/2014/main" id="{CB26B31F-7D6D-1A77-F6B3-22BDDA5681DA}"/>
               </a:ext>
             </a:extLst>
           </p:cNvPr>
@@ -712,7 +712,7 @@
           <a:bodyPr/>
           <a:lstStyle/>
           <a:p>
-            <a:fld id="{0B5AA5B9-EB24-4339-A30C-6DA4273198DD}" type="slidenum">
+            <a:fld id="{FF071B94-2039-435D-9031-A7BD6FD7C134}" type="slidenum">
               <a:rPr lang="zh-CN" altLang="en-US" smtClean="0"/>
               <a:t>‹#›</a:t>
             </a:fld>
@@ -723,7 +723,7 @@
     </p:spTree>
     <p:extLst>
       <p:ext uri="{BB962C8B-B14F-4D97-AF65-F5344CB8AC3E}">
-        <p14:creationId xmlns:p14="http://schemas.microsoft.com/office/powerpoint/2010/main" val="3013847547"/>
+        <p14:creationId xmlns:p14="http://schemas.microsoft.com/office/powerpoint/2010/main" val="1133741885"/>
       </p:ext>
     </p:extLst>
   </p:cSld>
@@ -755,7 +755,7 @@
           <p:cNvPr id="2" name="标题 1">
             <a:extLst>
               <a:ext uri="{FF2B5EF4-FFF2-40B4-BE49-F238E27FC236}">
-                <a16:creationId xmlns:a16="http://schemas.microsoft.com/office/drawing/2014/main" id="{4C1CDB6B-B5C1-E63A-2C9D-44EEF91E8881}"/>
+                <a16:creationId xmlns:a16="http://schemas.microsoft.com/office/drawing/2014/main" id="{1CE4983A-FF34-06D3-44C8-6A04EC0998E3}"/>
               </a:ext>
             </a:extLst>
           </p:cNvPr>
@@ -783,7 +783,7 @@
           <p:cNvPr id="3" name="内容占位符 2">
             <a:extLst>
               <a:ext uri="{FF2B5EF4-FFF2-40B4-BE49-F238E27FC236}">
-                <a16:creationId xmlns:a16="http://schemas.microsoft.com/office/drawing/2014/main" id="{8F102F1D-5F34-C7D1-C23C-13387E26B54A}"/>
+                <a16:creationId xmlns:a16="http://schemas.microsoft.com/office/drawing/2014/main" id="{9B36FA6A-A607-449C-7375-6C8A65FDC5D7}"/>
               </a:ext>
             </a:extLst>
           </p:cNvPr>
@@ -840,7 +840,7 @@
           <p:cNvPr id="4" name="日期占位符 3">
             <a:extLst>
               <a:ext uri="{FF2B5EF4-FFF2-40B4-BE49-F238E27FC236}">
-                <a16:creationId xmlns:a16="http://schemas.microsoft.com/office/drawing/2014/main" id="{885A420F-5241-0829-5207-75281F8C7CEB}"/>
+                <a16:creationId xmlns:a16="http://schemas.microsoft.com/office/drawing/2014/main" id="{F16D6A49-4E2D-0AAB-588E-C5B98D15D97A}"/>
               </a:ext>
             </a:extLst>
           </p:cNvPr>
@@ -856,7 +856,7 @@
           <a:bodyPr/>
           <a:lstStyle/>
           <a:p>
-            <a:fld id="{EFA670D7-9517-45D0-86DB-3635B4611B27}" type="datetimeFigureOut">
+            <a:fld id="{40968C26-9B4E-4BDE-AA50-C0D36FCC692C}" type="datetimeFigureOut">
               <a:rPr lang="zh-CN" altLang="en-US" smtClean="0"/>
               <a:t>2024/3/10</a:t>
             </a:fld>
@@ -869,7 +869,7 @@
           <p:cNvPr id="5" name="页脚占位符 4">
             <a:extLst>
               <a:ext uri="{FF2B5EF4-FFF2-40B4-BE49-F238E27FC236}">
-                <a16:creationId xmlns:a16="http://schemas.microsoft.com/office/drawing/2014/main" id="{CA49A2E2-CD99-7B3F-9504-81FFD0E7380E}"/>
+                <a16:creationId xmlns:a16="http://schemas.microsoft.com/office/drawing/2014/main" id="{88AB51FA-F284-E84E-6C21-64334CAE28F9}"/>
               </a:ext>
             </a:extLst>
           </p:cNvPr>
@@ -894,7 +894,7 @@
           <p:cNvPr id="6" name="灯片编号占位符 5">
             <a:extLst>
               <a:ext uri="{FF2B5EF4-FFF2-40B4-BE49-F238E27FC236}">
-                <a16:creationId xmlns:a16="http://schemas.microsoft.com/office/drawing/2014/main" id="{AE1C4BFC-8512-FA77-46FF-6CC50615EB5A}"/>
+                <a16:creationId xmlns:a16="http://schemas.microsoft.com/office/drawing/2014/main" id="{3219E366-8B54-94E2-2602-089C128EA08D}"/>
               </a:ext>
             </a:extLst>
           </p:cNvPr>
@@ -910,7 +910,7 @@
           <a:bodyPr/>
           <a:lstStyle/>
           <a:p>
-            <a:fld id="{0B5AA5B9-EB24-4339-A30C-6DA4273198DD}" type="slidenum">
+            <a:fld id="{FF071B94-2039-435D-9031-A7BD6FD7C134}" type="slidenum">
               <a:rPr lang="zh-CN" altLang="en-US" smtClean="0"/>
               <a:t>‹#›</a:t>
             </a:fld>
@@ -921,7 +921,7 @@
     </p:spTree>
     <p:extLst>
       <p:ext uri="{BB962C8B-B14F-4D97-AF65-F5344CB8AC3E}">
-        <p14:creationId xmlns:p14="http://schemas.microsoft.com/office/powerpoint/2010/main" val="4112441790"/>
+        <p14:creationId xmlns:p14="http://schemas.microsoft.com/office/powerpoint/2010/main" val="1923704824"/>
       </p:ext>
     </p:extLst>
   </p:cSld>
@@ -953,7 +953,7 @@
           <p:cNvPr id="2" name="标题 1">
             <a:extLst>
               <a:ext uri="{FF2B5EF4-FFF2-40B4-BE49-F238E27FC236}">
-                <a16:creationId xmlns:a16="http://schemas.microsoft.com/office/drawing/2014/main" id="{B4AEA91B-9B13-0966-F058-2B856F372465}"/>
+                <a16:creationId xmlns:a16="http://schemas.microsoft.com/office/drawing/2014/main" id="{A0DA8781-2D77-46A8-5883-5CAE64DDA2E1}"/>
               </a:ext>
             </a:extLst>
           </p:cNvPr>
@@ -990,7 +990,7 @@
           <p:cNvPr id="3" name="文本占位符 2">
             <a:extLst>
               <a:ext uri="{FF2B5EF4-FFF2-40B4-BE49-F238E27FC236}">
-                <a16:creationId xmlns:a16="http://schemas.microsoft.com/office/drawing/2014/main" id="{0068E421-F535-3493-D36F-D81F31A34FCF}"/>
+                <a16:creationId xmlns:a16="http://schemas.microsoft.com/office/drawing/2014/main" id="{F22D16B8-535F-8E8E-6EF5-25545A512AB3}"/>
               </a:ext>
             </a:extLst>
           </p:cNvPr>
@@ -1115,7 +1115,7 @@
           <p:cNvPr id="4" name="日期占位符 3">
             <a:extLst>
               <a:ext uri="{FF2B5EF4-FFF2-40B4-BE49-F238E27FC236}">
-                <a16:creationId xmlns:a16="http://schemas.microsoft.com/office/drawing/2014/main" id="{1E4338B8-C824-1199-0BF6-239F81946E37}"/>
+                <a16:creationId xmlns:a16="http://schemas.microsoft.com/office/drawing/2014/main" id="{C0ADA1DF-2917-7A39-1248-C36588E7E458}"/>
               </a:ext>
             </a:extLst>
           </p:cNvPr>
@@ -1131,7 +1131,7 @@
           <a:bodyPr/>
           <a:lstStyle/>
           <a:p>
-            <a:fld id="{EFA670D7-9517-45D0-86DB-3635B4611B27}" type="datetimeFigureOut">
+            <a:fld id="{40968C26-9B4E-4BDE-AA50-C0D36FCC692C}" type="datetimeFigureOut">
               <a:rPr lang="zh-CN" altLang="en-US" smtClean="0"/>
               <a:t>2024/3/10</a:t>
             </a:fld>
@@ -1144,7 +1144,7 @@
           <p:cNvPr id="5" name="页脚占位符 4">
             <a:extLst>
               <a:ext uri="{FF2B5EF4-FFF2-40B4-BE49-F238E27FC236}">
-                <a16:creationId xmlns:a16="http://schemas.microsoft.com/office/drawing/2014/main" id="{69A91EF7-EFFB-2459-72EB-F31BE526C880}"/>
+                <a16:creationId xmlns:a16="http://schemas.microsoft.com/office/drawing/2014/main" id="{B44414B0-DE09-8338-CDBA-3CC8F5FC2200}"/>
               </a:ext>
             </a:extLst>
           </p:cNvPr>
@@ -1169,7 +1169,7 @@
           <p:cNvPr id="6" name="灯片编号占位符 5">
             <a:extLst>
               <a:ext uri="{FF2B5EF4-FFF2-40B4-BE49-F238E27FC236}">
-                <a16:creationId xmlns:a16="http://schemas.microsoft.com/office/drawing/2014/main" id="{FEC6BF43-47C1-FA2D-5F49-0245FB6FEA6F}"/>
+                <a16:creationId xmlns:a16="http://schemas.microsoft.com/office/drawing/2014/main" id="{A4812093-019D-68E7-8D82-26C4678E4152}"/>
               </a:ext>
             </a:extLst>
           </p:cNvPr>
@@ -1185,7 +1185,7 @@
           <a:bodyPr/>
           <a:lstStyle/>
           <a:p>
-            <a:fld id="{0B5AA5B9-EB24-4339-A30C-6DA4273198DD}" type="slidenum">
+            <a:fld id="{FF071B94-2039-435D-9031-A7BD6FD7C134}" type="slidenum">
               <a:rPr lang="zh-CN" altLang="en-US" smtClean="0"/>
               <a:t>‹#›</a:t>
             </a:fld>
@@ -1196,7 +1196,7 @@
     </p:spTree>
     <p:extLst>
       <p:ext uri="{BB962C8B-B14F-4D97-AF65-F5344CB8AC3E}">
-        <p14:creationId xmlns:p14="http://schemas.microsoft.com/office/powerpoint/2010/main" val="3251562502"/>
+        <p14:creationId xmlns:p14="http://schemas.microsoft.com/office/powerpoint/2010/main" val="2798232287"/>
       </p:ext>
     </p:extLst>
   </p:cSld>
@@ -1228,7 +1228,7 @@
           <p:cNvPr id="2" name="标题 1">
             <a:extLst>
               <a:ext uri="{FF2B5EF4-FFF2-40B4-BE49-F238E27FC236}">
-                <a16:creationId xmlns:a16="http://schemas.microsoft.com/office/drawing/2014/main" id="{BACB69A8-94F6-12E5-220A-7A1ED8289F83}"/>
+                <a16:creationId xmlns:a16="http://schemas.microsoft.com/office/drawing/2014/main" id="{E97A4016-18B1-7E61-CA4E-3D3FBA10A62D}"/>
               </a:ext>
             </a:extLst>
           </p:cNvPr>
@@ -1256,7 +1256,7 @@
           <p:cNvPr id="3" name="内容占位符 2">
             <a:extLst>
               <a:ext uri="{FF2B5EF4-FFF2-40B4-BE49-F238E27FC236}">
-                <a16:creationId xmlns:a16="http://schemas.microsoft.com/office/drawing/2014/main" id="{F39BB940-095D-197C-6B2C-C1273094616D}"/>
+                <a16:creationId xmlns:a16="http://schemas.microsoft.com/office/drawing/2014/main" id="{B70431C6-3484-5DAA-A703-CC4E9A38EBD5}"/>
               </a:ext>
             </a:extLst>
           </p:cNvPr>
@@ -1318,7 +1318,7 @@
           <p:cNvPr id="4" name="内容占位符 3">
             <a:extLst>
               <a:ext uri="{FF2B5EF4-FFF2-40B4-BE49-F238E27FC236}">
-                <a16:creationId xmlns:a16="http://schemas.microsoft.com/office/drawing/2014/main" id="{72AF9025-2171-C122-3051-0743D2F3DE50}"/>
+                <a16:creationId xmlns:a16="http://schemas.microsoft.com/office/drawing/2014/main" id="{E3D6FFCB-C924-255C-4536-0ED420B04669}"/>
               </a:ext>
             </a:extLst>
           </p:cNvPr>
@@ -1380,7 +1380,7 @@
           <p:cNvPr id="5" name="日期占位符 4">
             <a:extLst>
               <a:ext uri="{FF2B5EF4-FFF2-40B4-BE49-F238E27FC236}">
-                <a16:creationId xmlns:a16="http://schemas.microsoft.com/office/drawing/2014/main" id="{E197C1FC-D8C2-64FE-D011-C5BA73D513E4}"/>
+                <a16:creationId xmlns:a16="http://schemas.microsoft.com/office/drawing/2014/main" id="{902B9127-9D97-DABB-3DF4-6224D93861F8}"/>
               </a:ext>
             </a:extLst>
           </p:cNvPr>
@@ -1396,7 +1396,7 @@
           <a:bodyPr/>
           <a:lstStyle/>
           <a:p>
-            <a:fld id="{EFA670D7-9517-45D0-86DB-3635B4611B27}" type="datetimeFigureOut">
+            <a:fld id="{40968C26-9B4E-4BDE-AA50-C0D36FCC692C}" type="datetimeFigureOut">
               <a:rPr lang="zh-CN" altLang="en-US" smtClean="0"/>
               <a:t>2024/3/10</a:t>
             </a:fld>
@@ -1409,7 +1409,7 @@
           <p:cNvPr id="6" name="页脚占位符 5">
             <a:extLst>
               <a:ext uri="{FF2B5EF4-FFF2-40B4-BE49-F238E27FC236}">
-                <a16:creationId xmlns:a16="http://schemas.microsoft.com/office/drawing/2014/main" id="{8D829632-5D83-7E9B-7630-EB96F2202855}"/>
+                <a16:creationId xmlns:a16="http://schemas.microsoft.com/office/drawing/2014/main" id="{C4E8D2D3-95BD-9A60-AAE5-69793D0B0F14}"/>
               </a:ext>
             </a:extLst>
           </p:cNvPr>
@@ -1434,7 +1434,7 @@
           <p:cNvPr id="7" name="灯片编号占位符 6">
             <a:extLst>
               <a:ext uri="{FF2B5EF4-FFF2-40B4-BE49-F238E27FC236}">
-                <a16:creationId xmlns:a16="http://schemas.microsoft.com/office/drawing/2014/main" id="{1679B6F2-68F1-9D46-0B21-5021D2C9C274}"/>
+                <a16:creationId xmlns:a16="http://schemas.microsoft.com/office/drawing/2014/main" id="{E0162075-36C6-302D-2B26-7628F1E103FD}"/>
               </a:ext>
             </a:extLst>
           </p:cNvPr>
@@ -1450,7 +1450,7 @@
           <a:bodyPr/>
           <a:lstStyle/>
           <a:p>
-            <a:fld id="{0B5AA5B9-EB24-4339-A30C-6DA4273198DD}" type="slidenum">
+            <a:fld id="{FF071B94-2039-435D-9031-A7BD6FD7C134}" type="slidenum">
               <a:rPr lang="zh-CN" altLang="en-US" smtClean="0"/>
               <a:t>‹#›</a:t>
             </a:fld>
@@ -1461,7 +1461,7 @@
     </p:spTree>
     <p:extLst>
       <p:ext uri="{BB962C8B-B14F-4D97-AF65-F5344CB8AC3E}">
-        <p14:creationId xmlns:p14="http://schemas.microsoft.com/office/powerpoint/2010/main" val="2980776544"/>
+        <p14:creationId xmlns:p14="http://schemas.microsoft.com/office/powerpoint/2010/main" val="606665952"/>
       </p:ext>
     </p:extLst>
   </p:cSld>
@@ -1493,7 +1493,7 @@
           <p:cNvPr id="2" name="标题 1">
             <a:extLst>
               <a:ext uri="{FF2B5EF4-FFF2-40B4-BE49-F238E27FC236}">
-                <a16:creationId xmlns:a16="http://schemas.microsoft.com/office/drawing/2014/main" id="{5FEE7370-8FC6-6AB1-32B6-081A077BC7CC}"/>
+                <a16:creationId xmlns:a16="http://schemas.microsoft.com/office/drawing/2014/main" id="{A9824299-1134-9EDA-47FC-230BFA536DF1}"/>
               </a:ext>
             </a:extLst>
           </p:cNvPr>
@@ -1526,7 +1526,7 @@
           <p:cNvPr id="3" name="文本占位符 2">
             <a:extLst>
               <a:ext uri="{FF2B5EF4-FFF2-40B4-BE49-F238E27FC236}">
-                <a16:creationId xmlns:a16="http://schemas.microsoft.com/office/drawing/2014/main" id="{6AD919E8-363B-9B32-9366-9F3D32FA18F3}"/>
+                <a16:creationId xmlns:a16="http://schemas.microsoft.com/office/drawing/2014/main" id="{24849946-DA19-292A-BAAB-7206621FED0A}"/>
               </a:ext>
             </a:extLst>
           </p:cNvPr>
@@ -1597,7 +1597,7 @@
           <p:cNvPr id="4" name="内容占位符 3">
             <a:extLst>
               <a:ext uri="{FF2B5EF4-FFF2-40B4-BE49-F238E27FC236}">
-                <a16:creationId xmlns:a16="http://schemas.microsoft.com/office/drawing/2014/main" id="{59492DDA-6E63-E031-B987-661A8896422D}"/>
+                <a16:creationId xmlns:a16="http://schemas.microsoft.com/office/drawing/2014/main" id="{71ABDA0E-5B91-AC87-7DF1-083F1BAB0E49}"/>
               </a:ext>
             </a:extLst>
           </p:cNvPr>
@@ -1659,7 +1659,7 @@
           <p:cNvPr id="5" name="文本占位符 4">
             <a:extLst>
               <a:ext uri="{FF2B5EF4-FFF2-40B4-BE49-F238E27FC236}">
-                <a16:creationId xmlns:a16="http://schemas.microsoft.com/office/drawing/2014/main" id="{557BE636-2218-E402-84B0-48B7B623F3A2}"/>
+                <a16:creationId xmlns:a16="http://schemas.microsoft.com/office/drawing/2014/main" id="{E63AA1EA-6780-F83B-B39D-C5E665982892}"/>
               </a:ext>
             </a:extLst>
           </p:cNvPr>
@@ -1730,7 +1730,7 @@
           <p:cNvPr id="6" name="内容占位符 5">
             <a:extLst>
               <a:ext uri="{FF2B5EF4-FFF2-40B4-BE49-F238E27FC236}">
-                <a16:creationId xmlns:a16="http://schemas.microsoft.com/office/drawing/2014/main" id="{422E17EF-39DB-ACE0-B3CA-FA975D6B6DE4}"/>
+                <a16:creationId xmlns:a16="http://schemas.microsoft.com/office/drawing/2014/main" id="{08607B87-D5E7-D3E4-4612-C34B14AF55F1}"/>
               </a:ext>
             </a:extLst>
           </p:cNvPr>
@@ -1792,7 +1792,7 @@
           <p:cNvPr id="7" name="日期占位符 6">
             <a:extLst>
               <a:ext uri="{FF2B5EF4-FFF2-40B4-BE49-F238E27FC236}">
-                <a16:creationId xmlns:a16="http://schemas.microsoft.com/office/drawing/2014/main" id="{BAC2A31D-36CC-7D36-B56D-56A762F209A0}"/>
+                <a16:creationId xmlns:a16="http://schemas.microsoft.com/office/drawing/2014/main" id="{02F27007-21B4-E88B-677E-9863CE463BAF}"/>
               </a:ext>
             </a:extLst>
           </p:cNvPr>
@@ -1808,7 +1808,7 @@
           <a:bodyPr/>
           <a:lstStyle/>
           <a:p>
-            <a:fld id="{EFA670D7-9517-45D0-86DB-3635B4611B27}" type="datetimeFigureOut">
+            <a:fld id="{40968C26-9B4E-4BDE-AA50-C0D36FCC692C}" type="datetimeFigureOut">
               <a:rPr lang="zh-CN" altLang="en-US" smtClean="0"/>
               <a:t>2024/3/10</a:t>
             </a:fld>
@@ -1821,7 +1821,7 @@
           <p:cNvPr id="8" name="页脚占位符 7">
             <a:extLst>
               <a:ext uri="{FF2B5EF4-FFF2-40B4-BE49-F238E27FC236}">
-                <a16:creationId xmlns:a16="http://schemas.microsoft.com/office/drawing/2014/main" id="{77FB3149-5FB1-E29A-1A00-0A187275AB64}"/>
+                <a16:creationId xmlns:a16="http://schemas.microsoft.com/office/drawing/2014/main" id="{A3F3F860-F714-31E1-0950-87EE49D9B9BC}"/>
               </a:ext>
             </a:extLst>
           </p:cNvPr>
@@ -1846,7 +1846,7 @@
           <p:cNvPr id="9" name="灯片编号占位符 8">
             <a:extLst>
               <a:ext uri="{FF2B5EF4-FFF2-40B4-BE49-F238E27FC236}">
-                <a16:creationId xmlns:a16="http://schemas.microsoft.com/office/drawing/2014/main" id="{34196882-CBB0-37E7-8713-74F621ACEEAF}"/>
+                <a16:creationId xmlns:a16="http://schemas.microsoft.com/office/drawing/2014/main" id="{47473E63-04C8-8042-D970-1C9DFEEC4E3D}"/>
               </a:ext>
             </a:extLst>
           </p:cNvPr>
@@ -1862,7 +1862,7 @@
           <a:bodyPr/>
           <a:lstStyle/>
           <a:p>
-            <a:fld id="{0B5AA5B9-EB24-4339-A30C-6DA4273198DD}" type="slidenum">
+            <a:fld id="{FF071B94-2039-435D-9031-A7BD6FD7C134}" type="slidenum">
               <a:rPr lang="zh-CN" altLang="en-US" smtClean="0"/>
               <a:t>‹#›</a:t>
             </a:fld>
@@ -1873,7 +1873,7 @@
     </p:spTree>
     <p:extLst>
       <p:ext uri="{BB962C8B-B14F-4D97-AF65-F5344CB8AC3E}">
-        <p14:creationId xmlns:p14="http://schemas.microsoft.com/office/powerpoint/2010/main" val="3072100958"/>
+        <p14:creationId xmlns:p14="http://schemas.microsoft.com/office/powerpoint/2010/main" val="770610618"/>
       </p:ext>
     </p:extLst>
   </p:cSld>
@@ -1905,7 +1905,7 @@
           <p:cNvPr id="2" name="标题 1">
             <a:extLst>
               <a:ext uri="{FF2B5EF4-FFF2-40B4-BE49-F238E27FC236}">
-                <a16:creationId xmlns:a16="http://schemas.microsoft.com/office/drawing/2014/main" id="{5D64049F-1190-F5B7-3F5C-3A6AD5DB93E8}"/>
+                <a16:creationId xmlns:a16="http://schemas.microsoft.com/office/drawing/2014/main" id="{EFCF733D-7097-0EC4-8068-A31533FA35E4}"/>
               </a:ext>
             </a:extLst>
           </p:cNvPr>
@@ -1933,7 +1933,7 @@
           <p:cNvPr id="3" name="日期占位符 2">
             <a:extLst>
               <a:ext uri="{FF2B5EF4-FFF2-40B4-BE49-F238E27FC236}">
-                <a16:creationId xmlns:a16="http://schemas.microsoft.com/office/drawing/2014/main" id="{B88C7530-5AA4-5843-F354-D8D499953FEC}"/>
+                <a16:creationId xmlns:a16="http://schemas.microsoft.com/office/drawing/2014/main" id="{B5E07795-D594-B3A4-8664-A8715677F533}"/>
               </a:ext>
             </a:extLst>
           </p:cNvPr>
@@ -1949,7 +1949,7 @@
           <a:bodyPr/>
           <a:lstStyle/>
           <a:p>
-            <a:fld id="{EFA670D7-9517-45D0-86DB-3635B4611B27}" type="datetimeFigureOut">
+            <a:fld id="{40968C26-9B4E-4BDE-AA50-C0D36FCC692C}" type="datetimeFigureOut">
               <a:rPr lang="zh-CN" altLang="en-US" smtClean="0"/>
               <a:t>2024/3/10</a:t>
             </a:fld>
@@ -1962,7 +1962,7 @@
           <p:cNvPr id="4" name="页脚占位符 3">
             <a:extLst>
               <a:ext uri="{FF2B5EF4-FFF2-40B4-BE49-F238E27FC236}">
-                <a16:creationId xmlns:a16="http://schemas.microsoft.com/office/drawing/2014/main" id="{BE23A864-ECC8-CDF0-E553-F2D48CD85017}"/>
+                <a16:creationId xmlns:a16="http://schemas.microsoft.com/office/drawing/2014/main" id="{7FBD6F4B-11F7-87EB-9F2B-2B2D80999D88}"/>
               </a:ext>
             </a:extLst>
           </p:cNvPr>
@@ -1987,7 +1987,7 @@
           <p:cNvPr id="5" name="灯片编号占位符 4">
             <a:extLst>
               <a:ext uri="{FF2B5EF4-FFF2-40B4-BE49-F238E27FC236}">
-                <a16:creationId xmlns:a16="http://schemas.microsoft.com/office/drawing/2014/main" id="{1CE1A9C7-BAE6-1A0B-890E-377C77CAD898}"/>
+                <a16:creationId xmlns:a16="http://schemas.microsoft.com/office/drawing/2014/main" id="{936B98CD-363F-AC75-1CA0-82D94CC2CED0}"/>
               </a:ext>
             </a:extLst>
           </p:cNvPr>
@@ -2003,7 +2003,7 @@
           <a:bodyPr/>
           <a:lstStyle/>
           <a:p>
-            <a:fld id="{0B5AA5B9-EB24-4339-A30C-6DA4273198DD}" type="slidenum">
+            <a:fld id="{FF071B94-2039-435D-9031-A7BD6FD7C134}" type="slidenum">
               <a:rPr lang="zh-CN" altLang="en-US" smtClean="0"/>
               <a:t>‹#›</a:t>
             </a:fld>
@@ -2014,7 +2014,7 @@
     </p:spTree>
     <p:extLst>
       <p:ext uri="{BB962C8B-B14F-4D97-AF65-F5344CB8AC3E}">
-        <p14:creationId xmlns:p14="http://schemas.microsoft.com/office/powerpoint/2010/main" val="345348477"/>
+        <p14:creationId xmlns:p14="http://schemas.microsoft.com/office/powerpoint/2010/main" val="2330255105"/>
       </p:ext>
     </p:extLst>
   </p:cSld>
@@ -2046,7 +2046,7 @@
           <p:cNvPr id="2" name="日期占位符 1">
             <a:extLst>
               <a:ext uri="{FF2B5EF4-FFF2-40B4-BE49-F238E27FC236}">
-                <a16:creationId xmlns:a16="http://schemas.microsoft.com/office/drawing/2014/main" id="{EB8E0603-6DFB-8092-F55F-17EA736ED608}"/>
+                <a16:creationId xmlns:a16="http://schemas.microsoft.com/office/drawing/2014/main" id="{63A8DD2D-EC07-FDF8-F0EB-5734D57AF14C}"/>
               </a:ext>
             </a:extLst>
           </p:cNvPr>
@@ -2062,7 +2062,7 @@
           <a:bodyPr/>
           <a:lstStyle/>
           <a:p>
-            <a:fld id="{EFA670D7-9517-45D0-86DB-3635B4611B27}" type="datetimeFigureOut">
+            <a:fld id="{40968C26-9B4E-4BDE-AA50-C0D36FCC692C}" type="datetimeFigureOut">
               <a:rPr lang="zh-CN" altLang="en-US" smtClean="0"/>
               <a:t>2024/3/10</a:t>
             </a:fld>
@@ -2075,7 +2075,7 @@
           <p:cNvPr id="3" name="页脚占位符 2">
             <a:extLst>
               <a:ext uri="{FF2B5EF4-FFF2-40B4-BE49-F238E27FC236}">
-                <a16:creationId xmlns:a16="http://schemas.microsoft.com/office/drawing/2014/main" id="{98C7860D-393E-6CC3-F5CC-27919629906F}"/>
+                <a16:creationId xmlns:a16="http://schemas.microsoft.com/office/drawing/2014/main" id="{2FB70CCC-DE82-1598-ADF1-1787CB6F147E}"/>
               </a:ext>
             </a:extLst>
           </p:cNvPr>
@@ -2100,7 +2100,7 @@
           <p:cNvPr id="4" name="灯片编号占位符 3">
             <a:extLst>
               <a:ext uri="{FF2B5EF4-FFF2-40B4-BE49-F238E27FC236}">
-                <a16:creationId xmlns:a16="http://schemas.microsoft.com/office/drawing/2014/main" id="{1C1077B6-EC9E-AB9F-5B49-158AF32C28FD}"/>
+                <a16:creationId xmlns:a16="http://schemas.microsoft.com/office/drawing/2014/main" id="{E6B7C127-D863-124D-7D44-3333E3A7C600}"/>
               </a:ext>
             </a:extLst>
           </p:cNvPr>
@@ -2116,7 +2116,7 @@
           <a:bodyPr/>
           <a:lstStyle/>
           <a:p>
-            <a:fld id="{0B5AA5B9-EB24-4339-A30C-6DA4273198DD}" type="slidenum">
+            <a:fld id="{FF071B94-2039-435D-9031-A7BD6FD7C134}" type="slidenum">
               <a:rPr lang="zh-CN" altLang="en-US" smtClean="0"/>
               <a:t>‹#›</a:t>
             </a:fld>
@@ -2127,7 +2127,7 @@
     </p:spTree>
     <p:extLst>
       <p:ext uri="{BB962C8B-B14F-4D97-AF65-F5344CB8AC3E}">
-        <p14:creationId xmlns:p14="http://schemas.microsoft.com/office/powerpoint/2010/main" val="3486728530"/>
+        <p14:creationId xmlns:p14="http://schemas.microsoft.com/office/powerpoint/2010/main" val="2888059351"/>
       </p:ext>
     </p:extLst>
   </p:cSld>
@@ -2159,7 +2159,7 @@
           <p:cNvPr id="2" name="标题 1">
             <a:extLst>
               <a:ext uri="{FF2B5EF4-FFF2-40B4-BE49-F238E27FC236}">
-                <a16:creationId xmlns:a16="http://schemas.microsoft.com/office/drawing/2014/main" id="{AD7CB0F2-EF1C-8285-E5BD-1813C93C865B}"/>
+                <a16:creationId xmlns:a16="http://schemas.microsoft.com/office/drawing/2014/main" id="{7A957A92-EEDC-1524-CC46-068062D4CEEB}"/>
               </a:ext>
             </a:extLst>
           </p:cNvPr>
@@ -2196,7 +2196,7 @@
           <p:cNvPr id="3" name="内容占位符 2">
             <a:extLst>
               <a:ext uri="{FF2B5EF4-FFF2-40B4-BE49-F238E27FC236}">
-                <a16:creationId xmlns:a16="http://schemas.microsoft.com/office/drawing/2014/main" id="{643EFBE4-13FB-1EDA-34BB-F8173BFB796F}"/>
+                <a16:creationId xmlns:a16="http://schemas.microsoft.com/office/drawing/2014/main" id="{609A924F-93B5-01E5-0B41-D1CA5B708D78}"/>
               </a:ext>
             </a:extLst>
           </p:cNvPr>
@@ -2286,7 +2286,7 @@
           <p:cNvPr id="4" name="文本占位符 3">
             <a:extLst>
               <a:ext uri="{FF2B5EF4-FFF2-40B4-BE49-F238E27FC236}">
-                <a16:creationId xmlns:a16="http://schemas.microsoft.com/office/drawing/2014/main" id="{4E2C7597-07A8-9CD3-D499-06E3D3CA9B0C}"/>
+                <a16:creationId xmlns:a16="http://schemas.microsoft.com/office/drawing/2014/main" id="{94BD4EDA-4FE9-4108-D342-AF1D71CD6E33}"/>
               </a:ext>
             </a:extLst>
           </p:cNvPr>
@@ -2357,7 +2357,7 @@
           <p:cNvPr id="5" name="日期占位符 4">
             <a:extLst>
               <a:ext uri="{FF2B5EF4-FFF2-40B4-BE49-F238E27FC236}">
-                <a16:creationId xmlns:a16="http://schemas.microsoft.com/office/drawing/2014/main" id="{53D8ED1E-6ED3-6062-F393-7F4260F8F36C}"/>
+                <a16:creationId xmlns:a16="http://schemas.microsoft.com/office/drawing/2014/main" id="{5EEBB235-A492-0739-9719-D3239E1CCA4A}"/>
               </a:ext>
             </a:extLst>
           </p:cNvPr>
@@ -2373,7 +2373,7 @@
           <a:bodyPr/>
           <a:lstStyle/>
           <a:p>
-            <a:fld id="{EFA670D7-9517-45D0-86DB-3635B4611B27}" type="datetimeFigureOut">
+            <a:fld id="{40968C26-9B4E-4BDE-AA50-C0D36FCC692C}" type="datetimeFigureOut">
               <a:rPr lang="zh-CN" altLang="en-US" smtClean="0"/>
               <a:t>2024/3/10</a:t>
             </a:fld>
@@ -2386,7 +2386,7 @@
           <p:cNvPr id="6" name="页脚占位符 5">
             <a:extLst>
               <a:ext uri="{FF2B5EF4-FFF2-40B4-BE49-F238E27FC236}">
-                <a16:creationId xmlns:a16="http://schemas.microsoft.com/office/drawing/2014/main" id="{D4E64E7A-AF3D-C017-5310-565FA44399DB}"/>
+                <a16:creationId xmlns:a16="http://schemas.microsoft.com/office/drawing/2014/main" id="{7C343806-816E-3F11-0991-8E7108AAE4AA}"/>
               </a:ext>
             </a:extLst>
           </p:cNvPr>
@@ -2411,7 +2411,7 @@
           <p:cNvPr id="7" name="灯片编号占位符 6">
             <a:extLst>
               <a:ext uri="{FF2B5EF4-FFF2-40B4-BE49-F238E27FC236}">
-                <a16:creationId xmlns:a16="http://schemas.microsoft.com/office/drawing/2014/main" id="{B1B22DFE-F589-28E1-E08B-5B97015D2E7A}"/>
+                <a16:creationId xmlns:a16="http://schemas.microsoft.com/office/drawing/2014/main" id="{BE2F5419-D260-8694-CDAA-7A87D8677CA9}"/>
               </a:ext>
             </a:extLst>
           </p:cNvPr>
@@ -2427,7 +2427,7 @@
           <a:bodyPr/>
           <a:lstStyle/>
           <a:p>
-            <a:fld id="{0B5AA5B9-EB24-4339-A30C-6DA4273198DD}" type="slidenum">
+            <a:fld id="{FF071B94-2039-435D-9031-A7BD6FD7C134}" type="slidenum">
               <a:rPr lang="zh-CN" altLang="en-US" smtClean="0"/>
               <a:t>‹#›</a:t>
             </a:fld>
@@ -2438,7 +2438,7 @@
     </p:spTree>
     <p:extLst>
       <p:ext uri="{BB962C8B-B14F-4D97-AF65-F5344CB8AC3E}">
-        <p14:creationId xmlns:p14="http://schemas.microsoft.com/office/powerpoint/2010/main" val="115656910"/>
+        <p14:creationId xmlns:p14="http://schemas.microsoft.com/office/powerpoint/2010/main" val="606339273"/>
       </p:ext>
     </p:extLst>
   </p:cSld>
@@ -2470,7 +2470,7 @@
           <p:cNvPr id="2" name="标题 1">
             <a:extLst>
               <a:ext uri="{FF2B5EF4-FFF2-40B4-BE49-F238E27FC236}">
-                <a16:creationId xmlns:a16="http://schemas.microsoft.com/office/drawing/2014/main" id="{8760A018-77A4-71E9-1B88-AC3CEB20C902}"/>
+                <a16:creationId xmlns:a16="http://schemas.microsoft.com/office/drawing/2014/main" id="{77C6A539-464E-5F1A-2307-E227528F2A3F}"/>
               </a:ext>
             </a:extLst>
           </p:cNvPr>
@@ -2507,7 +2507,7 @@
           <p:cNvPr id="3" name="图片占位符 2">
             <a:extLst>
               <a:ext uri="{FF2B5EF4-FFF2-40B4-BE49-F238E27FC236}">
-                <a16:creationId xmlns:a16="http://schemas.microsoft.com/office/drawing/2014/main" id="{7C43721C-A1E0-CFDC-48A5-353A7C95670A}"/>
+                <a16:creationId xmlns:a16="http://schemas.microsoft.com/office/drawing/2014/main" id="{BEBAD2C6-C9BA-65AA-4E2B-13ADA8A0E3F3}"/>
               </a:ext>
             </a:extLst>
           </p:cNvPr>
@@ -2574,7 +2574,7 @@
           <p:cNvPr id="4" name="文本占位符 3">
             <a:extLst>
               <a:ext uri="{FF2B5EF4-FFF2-40B4-BE49-F238E27FC236}">
-                <a16:creationId xmlns:a16="http://schemas.microsoft.com/office/drawing/2014/main" id="{D78E9B28-85A1-72DB-053F-1D0F297AC3F3}"/>
+                <a16:creationId xmlns:a16="http://schemas.microsoft.com/office/drawing/2014/main" id="{F2FDD9A2-785A-AE03-4BE8-0C3522616F5E}"/>
               </a:ext>
             </a:extLst>
           </p:cNvPr>
@@ -2645,7 +2645,7 @@
           <p:cNvPr id="5" name="日期占位符 4">
             <a:extLst>
               <a:ext uri="{FF2B5EF4-FFF2-40B4-BE49-F238E27FC236}">
-                <a16:creationId xmlns:a16="http://schemas.microsoft.com/office/drawing/2014/main" id="{A508E7DF-C108-D3B0-205F-14F9D5B0D169}"/>
+                <a16:creationId xmlns:a16="http://schemas.microsoft.com/office/drawing/2014/main" id="{BEBE9121-56FC-BB6E-9E50-62BC61317021}"/>
               </a:ext>
             </a:extLst>
           </p:cNvPr>
@@ -2661,7 +2661,7 @@
           <a:bodyPr/>
           <a:lstStyle/>
           <a:p>
-            <a:fld id="{EFA670D7-9517-45D0-86DB-3635B4611B27}" type="datetimeFigureOut">
+            <a:fld id="{40968C26-9B4E-4BDE-AA50-C0D36FCC692C}" type="datetimeFigureOut">
               <a:rPr lang="zh-CN" altLang="en-US" smtClean="0"/>
               <a:t>2024/3/10</a:t>
             </a:fld>
@@ -2674,7 +2674,7 @@
           <p:cNvPr id="6" name="页脚占位符 5">
             <a:extLst>
               <a:ext uri="{FF2B5EF4-FFF2-40B4-BE49-F238E27FC236}">
-                <a16:creationId xmlns:a16="http://schemas.microsoft.com/office/drawing/2014/main" id="{597BC788-6348-EECB-0ECC-3F58FA27BCBB}"/>
+                <a16:creationId xmlns:a16="http://schemas.microsoft.com/office/drawing/2014/main" id="{B253EC32-7EB3-EEC3-667E-D2ED805BE433}"/>
               </a:ext>
             </a:extLst>
           </p:cNvPr>
@@ -2699,7 +2699,7 @@
           <p:cNvPr id="7" name="灯片编号占位符 6">
             <a:extLst>
               <a:ext uri="{FF2B5EF4-FFF2-40B4-BE49-F238E27FC236}">
-                <a16:creationId xmlns:a16="http://schemas.microsoft.com/office/drawing/2014/main" id="{BD5E0A35-4A09-15E3-2663-5AE5C25C7A9F}"/>
+                <a16:creationId xmlns:a16="http://schemas.microsoft.com/office/drawing/2014/main" id="{0EF7C87D-F473-19A7-E086-124DB9427B5C}"/>
               </a:ext>
             </a:extLst>
           </p:cNvPr>
@@ -2715,7 +2715,7 @@
           <a:bodyPr/>
           <a:lstStyle/>
           <a:p>
-            <a:fld id="{0B5AA5B9-EB24-4339-A30C-6DA4273198DD}" type="slidenum">
+            <a:fld id="{FF071B94-2039-435D-9031-A7BD6FD7C134}" type="slidenum">
               <a:rPr lang="zh-CN" altLang="en-US" smtClean="0"/>
               <a:t>‹#›</a:t>
             </a:fld>
@@ -2726,7 +2726,7 @@
     </p:spTree>
     <p:extLst>
       <p:ext uri="{BB962C8B-B14F-4D97-AF65-F5344CB8AC3E}">
-        <p14:creationId xmlns:p14="http://schemas.microsoft.com/office/powerpoint/2010/main" val="3107768161"/>
+        <p14:creationId xmlns:p14="http://schemas.microsoft.com/office/powerpoint/2010/main" val="2347462013"/>
       </p:ext>
     </p:extLst>
   </p:cSld>
@@ -2763,7 +2763,7 @@
           <p:cNvPr id="2" name="标题占位符 1">
             <a:extLst>
               <a:ext uri="{FF2B5EF4-FFF2-40B4-BE49-F238E27FC236}">
-                <a16:creationId xmlns:a16="http://schemas.microsoft.com/office/drawing/2014/main" id="{DFB4AB8F-1EFA-FA19-9720-6DEBBD39F10E}"/>
+                <a16:creationId xmlns:a16="http://schemas.microsoft.com/office/drawing/2014/main" id="{E0864405-A955-562C-0A7D-F5663F023330}"/>
               </a:ext>
             </a:extLst>
           </p:cNvPr>
@@ -2801,7 +2801,7 @@
           <p:cNvPr id="3" name="文本占位符 2">
             <a:extLst>
               <a:ext uri="{FF2B5EF4-FFF2-40B4-BE49-F238E27FC236}">
-                <a16:creationId xmlns:a16="http://schemas.microsoft.com/office/drawing/2014/main" id="{896D31EE-494D-530D-58A9-993474EBD71A}"/>
+                <a16:creationId xmlns:a16="http://schemas.microsoft.com/office/drawing/2014/main" id="{1E88C1FF-1E11-BC04-7E2D-CDDB2D39D8C5}"/>
               </a:ext>
             </a:extLst>
           </p:cNvPr>
@@ -2868,7 +2868,7 @@
           <p:cNvPr id="4" name="日期占位符 3">
             <a:extLst>
               <a:ext uri="{FF2B5EF4-FFF2-40B4-BE49-F238E27FC236}">
-                <a16:creationId xmlns:a16="http://schemas.microsoft.com/office/drawing/2014/main" id="{C3A6EC2C-5B99-473D-5085-38B7269ACD27}"/>
+                <a16:creationId xmlns:a16="http://schemas.microsoft.com/office/drawing/2014/main" id="{19A97BE9-09FD-428D-2F87-8CBCA1EC88B9}"/>
               </a:ext>
             </a:extLst>
           </p:cNvPr>
@@ -2902,7 +2902,7 @@
             </a:lvl1pPr>
           </a:lstStyle>
           <a:p>
-            <a:fld id="{EFA670D7-9517-45D0-86DB-3635B4611B27}" type="datetimeFigureOut">
+            <a:fld id="{40968C26-9B4E-4BDE-AA50-C0D36FCC692C}" type="datetimeFigureOut">
               <a:rPr lang="zh-CN" altLang="en-US" smtClean="0"/>
               <a:t>2024/3/10</a:t>
             </a:fld>
@@ -2915,7 +2915,7 @@
           <p:cNvPr id="5" name="页脚占位符 4">
             <a:extLst>
               <a:ext uri="{FF2B5EF4-FFF2-40B4-BE49-F238E27FC236}">
-                <a16:creationId xmlns:a16="http://schemas.microsoft.com/office/drawing/2014/main" id="{D517D01B-6C6A-9A9A-72EC-E4D3002F468F}"/>
+                <a16:creationId xmlns:a16="http://schemas.microsoft.com/office/drawing/2014/main" id="{F8124CF4-9C32-0B66-482A-2A4A34830784}"/>
               </a:ext>
             </a:extLst>
           </p:cNvPr>
@@ -2958,7 +2958,7 @@
           <p:cNvPr id="6" name="灯片编号占位符 5">
             <a:extLst>
               <a:ext uri="{FF2B5EF4-FFF2-40B4-BE49-F238E27FC236}">
-                <a16:creationId xmlns:a16="http://schemas.microsoft.com/office/drawing/2014/main" id="{632EC843-42BD-3736-9C38-9EFD25E090AB}"/>
+                <a16:creationId xmlns:a16="http://schemas.microsoft.com/office/drawing/2014/main" id="{FDEB651A-B026-0524-32C5-5F4D30D747B8}"/>
               </a:ext>
             </a:extLst>
           </p:cNvPr>
@@ -2992,7 +2992,7 @@
             </a:lvl1pPr>
           </a:lstStyle>
           <a:p>
-            <a:fld id="{0B5AA5B9-EB24-4339-A30C-6DA4273198DD}" type="slidenum">
+            <a:fld id="{FF071B94-2039-435D-9031-A7BD6FD7C134}" type="slidenum">
               <a:rPr lang="zh-CN" altLang="en-US" smtClean="0"/>
               <a:t>‹#›</a:t>
             </a:fld>
@@ -3003,7 +3003,7 @@
     </p:spTree>
     <p:extLst>
       <p:ext uri="{BB962C8B-B14F-4D97-AF65-F5344CB8AC3E}">
-        <p14:creationId xmlns:p14="http://schemas.microsoft.com/office/powerpoint/2010/main" val="3221691407"/>
+        <p14:creationId xmlns:p14="http://schemas.microsoft.com/office/powerpoint/2010/main" val="3510404577"/>
       </p:ext>
     </p:extLst>
   </p:cSld>
@@ -3323,7 +3323,7 @@
       </p:grpSpPr>
       <p:pic>
         <p:nvPicPr>
-          <p:cNvPr id="781314" name="Picture 2" descr="762"/>
+          <p:cNvPr id="782338" name="Picture 2" descr="763"/>
           <p:cNvPicPr>
             <a:picLocks noChangeAspect="1" noChangeArrowheads="1"/>
           </p:cNvPicPr>
@@ -3375,158 +3375,11 @@
           </a:extLst>
         </p:spPr>
       </p:pic>
-      <p:pic>
-        <p:nvPicPr>
-          <p:cNvPr id="782339" name="Picture 3" descr="762-2"/>
-          <p:cNvPicPr>
-            <a:picLocks noChangeAspect="1" noChangeArrowheads="1"/>
-          </p:cNvPicPr>
-          <p:nvPr/>
-        </p:nvPicPr>
-        <p:blipFill>
-          <a:blip r:embed="rId3">
-            <a:extLst>
-              <a:ext uri="{28A0092B-C50C-407E-A947-70E740481C1C}">
-                <a14:useLocalDpi xmlns:a14="http://schemas.microsoft.com/office/drawing/2010/main" val="0"/>
-              </a:ext>
-            </a:extLst>
-          </a:blip>
-          <a:srcRect/>
-          <a:stretch>
-            <a:fillRect/>
-          </a:stretch>
-        </p:blipFill>
-        <p:spPr bwMode="auto">
-          <a:xfrm>
-            <a:off x="1524000" y="0"/>
-            <a:ext cx="9144000" cy="6858000"/>
-          </a:xfrm>
-          <a:prstGeom prst="rect">
-            <a:avLst/>
-          </a:prstGeom>
-          <a:noFill/>
-          <a:ln>
-            <a:noFill/>
-          </a:ln>
-          <a:effectLst/>
-          <a:extLst>
-            <a:ext uri="{909E8E84-426E-40DD-AFC4-6F175D3DCCD1}">
-              <a14:hiddenFill xmlns:a14="http://schemas.microsoft.com/office/drawing/2010/main">
-                <a:solidFill>
-                  <a:srgbClr val="FFFFFF"/>
-                </a:solidFill>
-              </a14:hiddenFill>
-            </a:ext>
-            <a:ext uri="{91240B29-F687-4F45-9708-019B960494DF}">
-              <a14:hiddenLine xmlns:a14="http://schemas.microsoft.com/office/drawing/2010/main" w="9525">
-                <a:solidFill>
-                  <a:srgbClr val="000000"/>
-                </a:solidFill>
-                <a:miter lim="800000"/>
-                <a:headEnd/>
-                <a:tailEnd/>
-              </a14:hiddenLine>
-            </a:ext>
-            <a:ext uri="{AF507438-7753-43E0-B8FC-AC1667EBCBE1}">
-              <a14:hiddenEffects xmlns:a14="http://schemas.microsoft.com/office/drawing/2010/main">
-                <a:effectLst>
-                  <a:outerShdw dist="35921" dir="2700000" algn="ctr" rotWithShape="0">
-                    <a:srgbClr val="808080"/>
-                  </a:outerShdw>
-                </a:effectLst>
-              </a14:hiddenEffects>
-            </a:ext>
-          </a:extLst>
-        </p:spPr>
-      </p:pic>
     </p:spTree>
   </p:cSld>
   <p:clrMapOvr>
     <a:masterClrMapping/>
   </p:clrMapOvr>
-  <p:timing>
-    <p:tnLst>
-      <p:par>
-        <p:cTn id="1" dur="indefinite" restart="never" nodeType="tmRoot">
-          <p:childTnLst>
-            <p:seq concurrent="1" nextAc="seek">
-              <p:cTn id="2" dur="indefinite" nodeType="mainSeq">
-                <p:childTnLst>
-                  <p:par>
-                    <p:cTn id="3" fill="hold" nodeType="clickPar">
-                      <p:stCondLst>
-                        <p:cond delay="indefinite"/>
-                      </p:stCondLst>
-                      <p:childTnLst>
-                        <p:par>
-                          <p:cTn id="4" fill="hold" nodeType="withGroup">
-                            <p:stCondLst>
-                              <p:cond delay="0"/>
-                            </p:stCondLst>
-                            <p:childTnLst>
-                              <p:par>
-                                <p:cTn id="5" presetID="10" presetClass="entr" presetSubtype="0" fill="hold" nodeType="clickEffect">
-                                  <p:stCondLst>
-                                    <p:cond delay="0"/>
-                                  </p:stCondLst>
-                                  <p:childTnLst>
-                                    <p:set>
-                                      <p:cBhvr>
-                                        <p:cTn id="6" dur="1" fill="hold">
-                                          <p:stCondLst>
-                                            <p:cond delay="0"/>
-                                          </p:stCondLst>
-                                        </p:cTn>
-                                        <p:tgtEl>
-                                          <p:spTgt spid="782339"/>
-                                        </p:tgtEl>
-                                        <p:attrNameLst>
-                                          <p:attrName>style.visibility</p:attrName>
-                                        </p:attrNameLst>
-                                      </p:cBhvr>
-                                      <p:to>
-                                        <p:strVal val="visible"/>
-                                      </p:to>
-                                    </p:set>
-                                    <p:animEffect transition="in" filter="fade">
-                                      <p:cBhvr>
-                                        <p:cTn id="7" dur="500"/>
-                                        <p:tgtEl>
-                                          <p:spTgt spid="782339"/>
-                                        </p:tgtEl>
-                                      </p:cBhvr>
-                                    </p:animEffect>
-                                  </p:childTnLst>
-                                </p:cTn>
-                              </p:par>
-                            </p:childTnLst>
-                          </p:cTn>
-                        </p:par>
-                      </p:childTnLst>
-                    </p:cTn>
-                  </p:par>
-                </p:childTnLst>
-              </p:cTn>
-              <p:prevCondLst>
-                <p:cond evt="onPrev" delay="0">
-                  <p:tgtEl>
-                    <p:sldTgt/>
-                  </p:tgtEl>
-                </p:cond>
-              </p:prevCondLst>
-              <p:nextCondLst>
-                <p:cond evt="onNext" delay="0">
-                  <p:tgtEl>
-                    <p:sldTgt/>
-                  </p:tgtEl>
-                </p:cond>
-              </p:nextCondLst>
-            </p:seq>
-          </p:childTnLst>
-        </p:cTn>
-      </p:par>
-    </p:tnLst>
-  </p:timing>
 </p:sld>
 </file>
 
